--- a/Final Presentation/Final CS Project Presentation.pptx
+++ b/Final Presentation/Final CS Project Presentation.pptx
@@ -17,18 +17,19 @@
     <p:sldId id="262" r:id="rId11"/>
     <p:sldId id="263" r:id="rId12"/>
     <p:sldId id="264" r:id="rId13"/>
+    <p:sldId id="265" r:id="rId14"/>
   </p:sldIdLst>
   <p:sldSz cy="5143500" cx="9144000"/>
   <p:notesSz cx="6858000" cy="9144000"/>
   <p:embeddedFontLst>
     <p:embeddedFont>
       <p:font typeface="Average"/>
-      <p:regular r:id="rId14"/>
+      <p:regular r:id="rId15"/>
     </p:embeddedFont>
     <p:embeddedFont>
       <p:font typeface="Oswald"/>
-      <p:regular r:id="rId15"/>
-      <p:bold r:id="rId16"/>
+      <p:regular r:id="rId16"/>
+      <p:bold r:id="rId17"/>
     </p:embeddedFont>
   </p:embeddedFontLst>
   <p:defaultTextStyle>
@@ -784,6 +785,104 @@
 </p:notes>
 </file>
 
+<file path=ppt/notesSlides/notesSlide10.xml><?xml version="1.0" encoding="utf-8"?>
+<p:notes xmlns:a="http://schemas.openxmlformats.org/drawingml/2006/main" xmlns:r="http://schemas.openxmlformats.org/officeDocument/2006/relationships" xmlns:mc="http://schemas.openxmlformats.org/markup-compatibility/2006" xmlns:mv="urn:schemas-microsoft-com:mac:vml" xmlns:p="http://schemas.openxmlformats.org/presentationml/2006/main" xmlns:c="http://schemas.openxmlformats.org/drawingml/2006/chart" xmlns:dgm="http://schemas.openxmlformats.org/drawingml/2006/diagram" xmlns:o="urn:schemas-microsoft-com:office:office" xmlns:v="urn:schemas-microsoft-com:vml" xmlns:pvml="urn:schemas-microsoft-com:office:powerpoint" xmlns:com="http://schemas.openxmlformats.org/drawingml/2006/compatibility" xmlns:p14="http://schemas.microsoft.com/office/powerpoint/2010/main" xmlns:p15="http://schemas.microsoft.com/office/powerpoint/2012/main" showMasterPhAnim="0" showMasterSp="0">
+  <p:cSld>
+    <p:spTree>
+      <p:nvGrpSpPr>
+        <p:cNvPr id="108" name="Shape 108"/>
+        <p:cNvGrpSpPr/>
+        <p:nvPr/>
+      </p:nvGrpSpPr>
+      <p:grpSpPr>
+        <a:xfrm>
+          <a:off x="0" y="0"/>
+          <a:ext cx="0" cy="0"/>
+          <a:chOff x="0" y="0"/>
+          <a:chExt cx="0" cy="0"/>
+        </a:xfrm>
+      </p:grpSpPr>
+      <p:sp>
+        <p:nvSpPr>
+          <p:cNvPr id="109" name="Shape 109"/>
+          <p:cNvSpPr/>
+          <p:nvPr>
+            <p:ph idx="2" type="sldImg"/>
+          </p:nvPr>
+        </p:nvSpPr>
+        <p:spPr>
+          <a:xfrm>
+            <a:off x="381300" y="685800"/>
+            <a:ext cx="6096000" cy="3429000"/>
+          </a:xfrm>
+          <a:custGeom>
+            <a:pathLst>
+              <a:path extrusionOk="0" h="120000" w="120000">
+                <a:moveTo>
+                  <a:pt x="0" y="0"/>
+                </a:moveTo>
+                <a:lnTo>
+                  <a:pt x="120000" y="0"/>
+                </a:lnTo>
+                <a:lnTo>
+                  <a:pt x="120000" y="120000"/>
+                </a:lnTo>
+                <a:lnTo>
+                  <a:pt x="0" y="120000"/>
+                </a:lnTo>
+                <a:close/>
+              </a:path>
+            </a:pathLst>
+          </a:custGeom>
+        </p:spPr>
+      </p:sp>
+      <p:sp>
+        <p:nvSpPr>
+          <p:cNvPr id="110" name="Shape 110"/>
+          <p:cNvSpPr txBox="1"/>
+          <p:nvPr>
+            <p:ph idx="1" type="body"/>
+          </p:nvPr>
+        </p:nvSpPr>
+        <p:spPr>
+          <a:xfrm>
+            <a:off x="685800" y="4343400"/>
+            <a:ext cx="5486400" cy="4114800"/>
+          </a:xfrm>
+          <a:prstGeom prst="rect">
+            <a:avLst/>
+          </a:prstGeom>
+        </p:spPr>
+        <p:txBody>
+          <a:bodyPr anchorCtr="0" anchor="t" bIns="91425" lIns="91425" spcFirstLastPara="1" rIns="91425" wrap="square" tIns="91425">
+            <a:noAutofit/>
+          </a:bodyPr>
+          <a:lstStyle/>
+          <a:p>
+            <a:pPr indent="0" lvl="0" marL="0" rtl="0">
+              <a:spcBef>
+                <a:spcPts val="0"/>
+              </a:spcBef>
+              <a:spcAft>
+                <a:spcPts val="0"/>
+              </a:spcAft>
+              <a:buNone/>
+            </a:pPr>
+            <a:r>
+              <a:t/>
+            </a:r>
+            <a:endParaRPr/>
+          </a:p>
+        </p:txBody>
+      </p:sp>
+    </p:spTree>
+  </p:cSld>
+  <p:clrMapOvr>
+    <a:masterClrMapping/>
+  </p:clrMapOvr>
+</p:notes>
+</file>
+
 <file path=ppt/notesSlides/notesSlide2.xml><?xml version="1.0" encoding="utf-8"?>
 <p:notes xmlns:a="http://schemas.openxmlformats.org/drawingml/2006/main" xmlns:r="http://schemas.openxmlformats.org/officeDocument/2006/relationships" xmlns:mc="http://schemas.openxmlformats.org/markup-compatibility/2006" xmlns:mv="urn:schemas-microsoft-com:mac:vml" xmlns:p="http://schemas.openxmlformats.org/presentationml/2006/main" xmlns:c="http://schemas.openxmlformats.org/drawingml/2006/chart" xmlns:dgm="http://schemas.openxmlformats.org/drawingml/2006/diagram" xmlns:o="urn:schemas-microsoft-com:office:office" xmlns:v="urn:schemas-microsoft-com:vml" xmlns:pvml="urn:schemas-microsoft-com:office:powerpoint" xmlns:com="http://schemas.openxmlformats.org/drawingml/2006/compatibility" xmlns:p14="http://schemas.microsoft.com/office/powerpoint/2010/main" xmlns:p15="http://schemas.microsoft.com/office/powerpoint/2012/main" showMasterPhAnim="0" showMasterSp="0">
   <p:cSld>
@@ -985,7 +1084,7 @@
   <p:cSld>
     <p:spTree>
       <p:nvGrpSpPr>
-        <p:cNvPr id="73" name="Shape 73"/>
+        <p:cNvPr id="74" name="Shape 74"/>
         <p:cNvGrpSpPr/>
         <p:nvPr/>
       </p:nvGrpSpPr>
@@ -999,7 +1098,7 @@
       </p:grpSpPr>
       <p:sp>
         <p:nvSpPr>
-          <p:cNvPr id="74" name="Shape 74"/>
+          <p:cNvPr id="75" name="Shape 75"/>
           <p:cNvSpPr/>
           <p:nvPr>
             <p:ph idx="2" type="sldImg"/>
@@ -1033,7 +1132,7 @@
       </p:sp>
       <p:sp>
         <p:nvSpPr>
-          <p:cNvPr id="75" name="Shape 75"/>
+          <p:cNvPr id="76" name="Shape 76"/>
           <p:cNvSpPr txBox="1"/>
           <p:nvPr>
             <p:ph idx="1" type="body"/>
@@ -1083,7 +1182,7 @@
   <p:cSld>
     <p:spTree>
       <p:nvGrpSpPr>
-        <p:cNvPr id="78" name="Shape 78"/>
+        <p:cNvPr id="79" name="Shape 79"/>
         <p:cNvGrpSpPr/>
         <p:nvPr/>
       </p:nvGrpSpPr>
@@ -1097,7 +1196,7 @@
       </p:grpSpPr>
       <p:sp>
         <p:nvSpPr>
-          <p:cNvPr id="79" name="Shape 79"/>
+          <p:cNvPr id="80" name="Shape 80"/>
           <p:cNvSpPr/>
           <p:nvPr>
             <p:ph idx="2" type="sldImg"/>
@@ -1131,7 +1230,7 @@
       </p:sp>
       <p:sp>
         <p:nvSpPr>
-          <p:cNvPr id="80" name="Shape 80"/>
+          <p:cNvPr id="81" name="Shape 81"/>
           <p:cNvSpPr txBox="1"/>
           <p:nvPr>
             <p:ph idx="1" type="body"/>
@@ -1181,7 +1280,7 @@
   <p:cSld>
     <p:spTree>
       <p:nvGrpSpPr>
-        <p:cNvPr id="85" name="Shape 85"/>
+        <p:cNvPr id="84" name="Shape 84"/>
         <p:cNvGrpSpPr/>
         <p:nvPr/>
       </p:nvGrpSpPr>
@@ -1195,7 +1294,7 @@
       </p:grpSpPr>
       <p:sp>
         <p:nvSpPr>
-          <p:cNvPr id="86" name="Shape 86"/>
+          <p:cNvPr id="85" name="Shape 85"/>
           <p:cNvSpPr/>
           <p:nvPr>
             <p:ph idx="2" type="sldImg"/>
@@ -1229,7 +1328,7 @@
       </p:sp>
       <p:sp>
         <p:nvSpPr>
-          <p:cNvPr id="87" name="Shape 87"/>
+          <p:cNvPr id="86" name="Shape 86"/>
           <p:cNvSpPr txBox="1"/>
           <p:nvPr>
             <p:ph idx="1" type="body"/>
@@ -1260,8 +1359,7 @@
               <a:buNone/>
             </a:pPr>
             <a:r>
-              <a:rPr lang="en"/>
-              <a:t>Emphasize computational portion of data search</a:t>
+              <a:t/>
             </a:r>
             <a:endParaRPr/>
           </a:p>
@@ -1359,7 +1457,8 @@
               <a:buNone/>
             </a:pPr>
             <a:r>
-              <a:t/>
+              <a:rPr lang="en"/>
+              <a:t>Emphasize computational portion of data search</a:t>
             </a:r>
             <a:endParaRPr/>
           </a:p>
@@ -1476,7 +1575,7 @@
   <p:cSld>
     <p:spTree>
       <p:nvGrpSpPr>
-        <p:cNvPr id="102" name="Shape 102"/>
+        <p:cNvPr id="103" name="Shape 103"/>
         <p:cNvGrpSpPr/>
         <p:nvPr/>
       </p:nvGrpSpPr>
@@ -1490,7 +1589,7 @@
       </p:grpSpPr>
       <p:sp>
         <p:nvSpPr>
-          <p:cNvPr id="103" name="Shape 103"/>
+          <p:cNvPr id="104" name="Shape 104"/>
           <p:cNvSpPr/>
           <p:nvPr>
             <p:ph idx="2" type="sldImg"/>
@@ -1524,7 +1623,7 @@
       </p:sp>
       <p:sp>
         <p:nvSpPr>
-          <p:cNvPr id="104" name="Shape 104"/>
+          <p:cNvPr id="105" name="Shape 105"/>
           <p:cNvSpPr txBox="1"/>
           <p:nvPr>
             <p:ph idx="1" type="body"/>
@@ -1545,7 +1644,7 @@
           </a:bodyPr>
           <a:lstStyle/>
           <a:p>
-            <a:pPr indent="0" lvl="0" marL="0" rtl="0">
+            <a:pPr indent="0" lvl="0" marL="0">
               <a:spcBef>
                 <a:spcPts val="0"/>
               </a:spcBef>
@@ -6929,6 +7028,127 @@
 </p:sld>
 </file>
 
+<file path=ppt/slides/slide10.xml><?xml version="1.0" encoding="utf-8"?>
+<p:sld xmlns:a="http://schemas.openxmlformats.org/drawingml/2006/main" xmlns:r="http://schemas.openxmlformats.org/officeDocument/2006/relationships" xmlns:mc="http://schemas.openxmlformats.org/markup-compatibility/2006" xmlns:mv="urn:schemas-microsoft-com:mac:vml" xmlns:p="http://schemas.openxmlformats.org/presentationml/2006/main" xmlns:c="http://schemas.openxmlformats.org/drawingml/2006/chart" xmlns:dgm="http://schemas.openxmlformats.org/drawingml/2006/diagram" xmlns:o="urn:schemas-microsoft-com:office:office" xmlns:v="urn:schemas-microsoft-com:vml" xmlns:pvml="urn:schemas-microsoft-com:office:powerpoint" xmlns:com="http://schemas.openxmlformats.org/drawingml/2006/compatibility" xmlns:p14="http://schemas.microsoft.com/office/powerpoint/2010/main" xmlns:p15="http://schemas.microsoft.com/office/powerpoint/2012/main">
+  <p:cSld>
+    <p:spTree>
+      <p:nvGrpSpPr>
+        <p:cNvPr id="111" name="Shape 111"/>
+        <p:cNvGrpSpPr/>
+        <p:nvPr/>
+      </p:nvGrpSpPr>
+      <p:grpSpPr>
+        <a:xfrm>
+          <a:off x="0" y="0"/>
+          <a:ext cx="0" cy="0"/>
+          <a:chOff x="0" y="0"/>
+          <a:chExt cx="0" cy="0"/>
+        </a:xfrm>
+      </p:grpSpPr>
+      <p:sp>
+        <p:nvSpPr>
+          <p:cNvPr id="112" name="Shape 112"/>
+          <p:cNvSpPr txBox="1"/>
+          <p:nvPr>
+            <p:ph type="title"/>
+          </p:nvPr>
+        </p:nvSpPr>
+        <p:spPr>
+          <a:xfrm>
+            <a:off x="311700" y="494200"/>
+            <a:ext cx="8520600" cy="655200"/>
+          </a:xfrm>
+          <a:prstGeom prst="rect">
+            <a:avLst/>
+          </a:prstGeom>
+        </p:spPr>
+        <p:txBody>
+          <a:bodyPr anchorCtr="0" anchor="t" bIns="91425" lIns="91425" spcFirstLastPara="1" rIns="91425" wrap="square" tIns="91425">
+            <a:noAutofit/>
+          </a:bodyPr>
+          <a:lstStyle/>
+          <a:p>
+            <a:pPr indent="0" lvl="0" marL="0" rtl="0" algn="ctr">
+              <a:spcBef>
+                <a:spcPts val="0"/>
+              </a:spcBef>
+              <a:spcAft>
+                <a:spcPts val="0"/>
+              </a:spcAft>
+              <a:buNone/>
+            </a:pPr>
+            <a:r>
+              <a:rPr lang="en"/>
+              <a:t>Questions/Comments?</a:t>
+            </a:r>
+            <a:endParaRPr/>
+          </a:p>
+        </p:txBody>
+      </p:sp>
+      <p:pic>
+        <p:nvPicPr>
+          <p:cNvPr id="113" name="Shape 113"/>
+          <p:cNvPicPr preferRelativeResize="0"/>
+          <p:nvPr/>
+        </p:nvPicPr>
+        <p:blipFill>
+          <a:blip r:embed="rId3">
+            <a:alphaModFix/>
+          </a:blip>
+          <a:stretch>
+            <a:fillRect/>
+          </a:stretch>
+        </p:blipFill>
+        <p:spPr>
+          <a:xfrm>
+            <a:off x="4661424" y="1459463"/>
+            <a:ext cx="4240928" cy="3180673"/>
+          </a:xfrm>
+          <a:prstGeom prst="rect">
+            <a:avLst/>
+          </a:prstGeom>
+          <a:noFill/>
+          <a:ln>
+            <a:noFill/>
+          </a:ln>
+        </p:spPr>
+      </p:pic>
+      <p:pic>
+        <p:nvPicPr>
+          <p:cNvPr id="114" name="Shape 114"/>
+          <p:cNvPicPr preferRelativeResize="0"/>
+          <p:nvPr/>
+        </p:nvPicPr>
+        <p:blipFill>
+          <a:blip r:embed="rId4">
+            <a:alphaModFix/>
+          </a:blip>
+          <a:stretch>
+            <a:fillRect/>
+          </a:stretch>
+        </p:blipFill>
+        <p:spPr>
+          <a:xfrm>
+            <a:off x="192450" y="1456700"/>
+            <a:ext cx="4240928" cy="3186189"/>
+          </a:xfrm>
+          <a:prstGeom prst="rect">
+            <a:avLst/>
+          </a:prstGeom>
+          <a:noFill/>
+          <a:ln>
+            <a:noFill/>
+          </a:ln>
+        </p:spPr>
+      </p:pic>
+    </p:spTree>
+  </p:cSld>
+  <p:clrMapOvr>
+    <a:masterClrMapping/>
+  </p:clrMapOvr>
+</p:sld>
+</file>
+
 <file path=ppt/slides/slide2.xml><?xml version="1.0" encoding="utf-8"?>
 <p:sld xmlns:a="http://schemas.openxmlformats.org/drawingml/2006/main" xmlns:r="http://schemas.openxmlformats.org/officeDocument/2006/relationships" xmlns:mc="http://schemas.openxmlformats.org/markup-compatibility/2006" xmlns:mv="urn:schemas-microsoft-com:mac:vml" xmlns:p="http://schemas.openxmlformats.org/presentationml/2006/main" xmlns:c="http://schemas.openxmlformats.org/drawingml/2006/chart" xmlns:dgm="http://schemas.openxmlformats.org/drawingml/2006/diagram" xmlns:o="urn:schemas-microsoft-com:office:office" xmlns:v="urn:schemas-microsoft-com:vml" xmlns:pvml="urn:schemas-microsoft-com:office:powerpoint" xmlns:com="http://schemas.openxmlformats.org/drawingml/2006/compatibility" xmlns:p14="http://schemas.microsoft.com/office/powerpoint/2010/main" xmlns:p15="http://schemas.microsoft.com/office/powerpoint/2012/main">
   <p:cSld>
@@ -6980,7 +7200,7 @@
             </a:pPr>
             <a:r>
               <a:rPr lang="en"/>
-              <a:t>Project Overview</a:t>
+              <a:t>Outline</a:t>
             </a:r>
             <a:endParaRPr/>
           </a:p>
@@ -6996,7 +7216,7 @@
         </p:nvSpPr>
         <p:spPr>
           <a:xfrm>
-            <a:off x="311700" y="1152475"/>
+            <a:off x="311700" y="1189650"/>
             <a:ext cx="8520600" cy="3416400"/>
           </a:xfrm>
           <a:prstGeom prst="rect">
@@ -7009,152 +7229,109 @@
           </a:bodyPr>
           <a:lstStyle/>
           <a:p>
-            <a:pPr indent="0" lvl="0" marL="0" rtl="0">
-              <a:spcBef>
-                <a:spcPts val="0"/>
-              </a:spcBef>
-              <a:spcAft>
-                <a:spcPts val="0"/>
-              </a:spcAft>
-              <a:buNone/>
+            <a:pPr indent="-342900" lvl="0" marL="457200" rtl="0">
+              <a:spcBef>
+                <a:spcPts val="0"/>
+              </a:spcBef>
+              <a:spcAft>
+                <a:spcPts val="0"/>
+              </a:spcAft>
+              <a:buSzPts val="1800"/>
+              <a:buChar char="●"/>
             </a:pPr>
             <a:r>
               <a:rPr b="1" lang="en" sz="2200"/>
-              <a:t>GOAL: Create an easy-to-use survey data repository.</a:t>
+              <a:t>Project Overview</a:t>
+            </a:r>
+            <a:endParaRPr b="1" sz="2200"/>
+          </a:p>
+          <a:p>
+            <a:pPr indent="-368300" lvl="0" marL="457200" rtl="0">
+              <a:spcBef>
+                <a:spcPts val="0"/>
+              </a:spcBef>
+              <a:spcAft>
+                <a:spcPts val="0"/>
+              </a:spcAft>
+              <a:buSzPts val="2200"/>
+              <a:buChar char="●"/>
+            </a:pPr>
+            <a:r>
+              <a:rPr b="1" lang="en" sz="2200"/>
+              <a:t>Site Structure and User Flow</a:t>
+            </a:r>
+            <a:endParaRPr b="1" sz="2200"/>
+          </a:p>
+          <a:p>
+            <a:pPr indent="-368300" lvl="0" marL="457200" rtl="0">
+              <a:spcBef>
+                <a:spcPts val="0"/>
+              </a:spcBef>
+              <a:spcAft>
+                <a:spcPts val="0"/>
+              </a:spcAft>
+              <a:buSzPts val="2200"/>
+              <a:buChar char="●"/>
+            </a:pPr>
+            <a:r>
+              <a:rPr b="1" lang="en" sz="2200"/>
+              <a:t>Awesome stuff we did</a:t>
+            </a:r>
+            <a:endParaRPr b="1" sz="2200"/>
+          </a:p>
+          <a:p>
+            <a:pPr indent="-368300" lvl="0" marL="457200" rtl="0">
+              <a:spcBef>
+                <a:spcPts val="0"/>
+              </a:spcBef>
+              <a:spcAft>
+                <a:spcPts val="0"/>
+              </a:spcAft>
+              <a:buSzPts val="2200"/>
+              <a:buChar char="●"/>
+            </a:pPr>
+            <a:r>
+              <a:rPr b="1" lang="en" sz="2200"/>
+              <a:t>Challenges we faced</a:t>
+            </a:r>
+            <a:endParaRPr b="1" sz="2200"/>
+          </a:p>
+          <a:p>
+            <a:pPr indent="-368300" lvl="0" marL="457200" rtl="0">
+              <a:spcBef>
+                <a:spcPts val="0"/>
+              </a:spcBef>
+              <a:spcAft>
+                <a:spcPts val="0"/>
+              </a:spcAft>
+              <a:buSzPts val="2200"/>
+              <a:buChar char="●"/>
+            </a:pPr>
+            <a:r>
+              <a:rPr b="1" lang="en" sz="2200"/>
+              <a:t>Future work</a:t>
+            </a:r>
+            <a:endParaRPr b="1" sz="2200"/>
+          </a:p>
+          <a:p>
+            <a:pPr indent="-368300" lvl="0" marL="457200" rtl="0">
+              <a:spcBef>
+                <a:spcPts val="0"/>
+              </a:spcBef>
+              <a:spcAft>
+                <a:spcPts val="0"/>
+              </a:spcAft>
+              <a:buSzPts val="2200"/>
+              <a:buChar char="●"/>
+            </a:pPr>
+            <a:r>
+              <a:rPr b="1" lang="en" sz="2200"/>
+              <a:t>Demo (Yay!)</a:t>
             </a:r>
             <a:endParaRPr b="1" sz="2200"/>
           </a:p>
           <a:p>
             <a:pPr indent="0" lvl="0" marL="0" rtl="0">
-              <a:spcBef>
-                <a:spcPts val="1600"/>
-              </a:spcBef>
-              <a:spcAft>
-                <a:spcPts val="0"/>
-              </a:spcAft>
-              <a:buNone/>
-            </a:pPr>
-            <a:r>
-              <a:rPr lang="en" sz="2200"/>
-              <a:t>What makes this </a:t>
-            </a:r>
-            <a:r>
-              <a:rPr b="1" lang="en" sz="2200"/>
-              <a:t>different</a:t>
-            </a:r>
-            <a:r>
-              <a:rPr lang="en" sz="2200"/>
-              <a:t> than other data repositories? Users can:</a:t>
-            </a:r>
-            <a:endParaRPr sz="2200"/>
-          </a:p>
-          <a:p>
-            <a:pPr indent="-368300" lvl="0" marL="457200" rtl="0">
-              <a:spcBef>
-                <a:spcPts val="1600"/>
-              </a:spcBef>
-              <a:spcAft>
-                <a:spcPts val="0"/>
-              </a:spcAft>
-              <a:buSzPts val="2200"/>
-              <a:buAutoNum type="arabicPeriod"/>
-            </a:pPr>
-            <a:r>
-              <a:rPr lang="en" sz="2200"/>
-              <a:t>Search </a:t>
-            </a:r>
-            <a:r>
-              <a:rPr i="1" lang="en" sz="2200"/>
-              <a:t>multiple surveys</a:t>
-            </a:r>
-            <a:r>
-              <a:rPr lang="en" sz="2200"/>
-              <a:t> from different sources.</a:t>
-            </a:r>
-            <a:endParaRPr sz="2200"/>
-          </a:p>
-          <a:p>
-            <a:pPr indent="-368300" lvl="0" marL="457200" rtl="0">
-              <a:spcBef>
-                <a:spcPts val="0"/>
-              </a:spcBef>
-              <a:spcAft>
-                <a:spcPts val="0"/>
-              </a:spcAft>
-              <a:buSzPts val="2200"/>
-              <a:buAutoNum type="arabicPeriod"/>
-            </a:pPr>
-            <a:r>
-              <a:rPr lang="en" sz="2200"/>
-              <a:t>Search surveys on a </a:t>
-            </a:r>
-            <a:r>
-              <a:rPr i="1" lang="en" sz="2200"/>
-              <a:t>granular level</a:t>
-            </a:r>
-            <a:r>
-              <a:rPr b="1" lang="en" sz="2200"/>
-              <a:t> </a:t>
-            </a:r>
-            <a:r>
-              <a:rPr lang="en" sz="2200"/>
-              <a:t>(for individual questions) as well as for entire surveys</a:t>
-            </a:r>
-            <a:endParaRPr sz="2200"/>
-          </a:p>
-          <a:p>
-            <a:pPr indent="-368300" lvl="0" marL="457200" rtl="0">
-              <a:spcBef>
-                <a:spcPts val="0"/>
-              </a:spcBef>
-              <a:spcAft>
-                <a:spcPts val="0"/>
-              </a:spcAft>
-              <a:buSzPts val="2200"/>
-              <a:buAutoNum type="arabicPeriod"/>
-            </a:pPr>
-            <a:r>
-              <a:rPr i="1" lang="en" sz="2200"/>
-              <a:t>Upload and share</a:t>
-            </a:r>
-            <a:r>
-              <a:rPr lang="en" sz="2200"/>
-              <a:t> their own survey data</a:t>
-            </a:r>
-            <a:endParaRPr b="1" sz="2200"/>
-          </a:p>
-          <a:p>
-            <a:pPr indent="0" lvl="0" marL="0">
-              <a:spcBef>
-                <a:spcPts val="1600"/>
-              </a:spcBef>
-              <a:spcAft>
-                <a:spcPts val="0"/>
-              </a:spcAft>
-              <a:buNone/>
-            </a:pPr>
-            <a:r>
-              <a:t/>
-            </a:r>
-            <a:endParaRPr b="1"/>
-          </a:p>
-          <a:p>
-            <a:pPr indent="0" lvl="0" marL="0">
-              <a:spcBef>
-                <a:spcPts val="1600"/>
-              </a:spcBef>
-              <a:spcAft>
-                <a:spcPts val="0"/>
-              </a:spcAft>
-              <a:buNone/>
-            </a:pPr>
-            <a:r>
-              <a:t/>
-            </a:r>
-            <a:endParaRPr/>
-          </a:p>
-          <a:p>
-            <a:pPr indent="0" lvl="0" marL="0">
               <a:spcBef>
                 <a:spcPts val="1600"/>
               </a:spcBef>
@@ -7195,9 +7372,258 @@
           <a:chExt cx="0" cy="0"/>
         </a:xfrm>
       </p:grpSpPr>
+      <p:sp>
+        <p:nvSpPr>
+          <p:cNvPr id="72" name="Shape 72"/>
+          <p:cNvSpPr txBox="1"/>
+          <p:nvPr>
+            <p:ph type="title"/>
+          </p:nvPr>
+        </p:nvSpPr>
+        <p:spPr>
+          <a:xfrm>
+            <a:off x="311700" y="445025"/>
+            <a:ext cx="8520600" cy="572700"/>
+          </a:xfrm>
+          <a:prstGeom prst="rect">
+            <a:avLst/>
+          </a:prstGeom>
+        </p:spPr>
+        <p:txBody>
+          <a:bodyPr anchorCtr="0" anchor="t" bIns="91425" lIns="91425" spcFirstLastPara="1" rIns="91425" wrap="square" tIns="91425">
+            <a:noAutofit/>
+          </a:bodyPr>
+          <a:lstStyle/>
+          <a:p>
+            <a:pPr indent="0" lvl="0" marL="0">
+              <a:spcBef>
+                <a:spcPts val="0"/>
+              </a:spcBef>
+              <a:spcAft>
+                <a:spcPts val="0"/>
+              </a:spcAft>
+              <a:buNone/>
+            </a:pPr>
+            <a:r>
+              <a:rPr lang="en"/>
+              <a:t>Project Overview</a:t>
+            </a:r>
+            <a:endParaRPr/>
+          </a:p>
+        </p:txBody>
+      </p:sp>
+      <p:sp>
+        <p:nvSpPr>
+          <p:cNvPr id="73" name="Shape 73"/>
+          <p:cNvSpPr txBox="1"/>
+          <p:nvPr>
+            <p:ph idx="1" type="body"/>
+          </p:nvPr>
+        </p:nvSpPr>
+        <p:spPr>
+          <a:xfrm>
+            <a:off x="311700" y="1152475"/>
+            <a:ext cx="8520600" cy="3416400"/>
+          </a:xfrm>
+          <a:prstGeom prst="rect">
+            <a:avLst/>
+          </a:prstGeom>
+        </p:spPr>
+        <p:txBody>
+          <a:bodyPr anchorCtr="0" anchor="t" bIns="91425" lIns="91425" spcFirstLastPara="1" rIns="91425" wrap="square" tIns="91425">
+            <a:noAutofit/>
+          </a:bodyPr>
+          <a:lstStyle/>
+          <a:p>
+            <a:pPr indent="0" lvl="0" marL="0" rtl="0">
+              <a:spcBef>
+                <a:spcPts val="0"/>
+              </a:spcBef>
+              <a:spcAft>
+                <a:spcPts val="0"/>
+              </a:spcAft>
+              <a:buNone/>
+            </a:pPr>
+            <a:r>
+              <a:rPr b="1" lang="en" sz="2200"/>
+              <a:t>GOAL: Create an easy-to-use survey data repository.</a:t>
+            </a:r>
+            <a:endParaRPr b="1" sz="2200"/>
+          </a:p>
+          <a:p>
+            <a:pPr indent="0" lvl="0" marL="0" rtl="0">
+              <a:spcBef>
+                <a:spcPts val="1600"/>
+              </a:spcBef>
+              <a:spcAft>
+                <a:spcPts val="0"/>
+              </a:spcAft>
+              <a:buNone/>
+            </a:pPr>
+            <a:r>
+              <a:rPr lang="en" sz="2200"/>
+              <a:t>What makes this </a:t>
+            </a:r>
+            <a:r>
+              <a:rPr b="1" lang="en" sz="2200"/>
+              <a:t>different</a:t>
+            </a:r>
+            <a:r>
+              <a:rPr lang="en" sz="2200"/>
+              <a:t> than other data repositories? Users can:</a:t>
+            </a:r>
+            <a:endParaRPr sz="2200"/>
+          </a:p>
+          <a:p>
+            <a:pPr indent="-368300" lvl="0" marL="457200" rtl="0">
+              <a:spcBef>
+                <a:spcPts val="1600"/>
+              </a:spcBef>
+              <a:spcAft>
+                <a:spcPts val="0"/>
+              </a:spcAft>
+              <a:buSzPts val="2200"/>
+              <a:buAutoNum type="arabicPeriod"/>
+            </a:pPr>
+            <a:r>
+              <a:rPr lang="en" sz="2200"/>
+              <a:t>Search </a:t>
+            </a:r>
+            <a:r>
+              <a:rPr i="1" lang="en" sz="2200"/>
+              <a:t>multiple surveys</a:t>
+            </a:r>
+            <a:r>
+              <a:rPr lang="en" sz="2200"/>
+              <a:t> from different sources.</a:t>
+            </a:r>
+            <a:endParaRPr sz="2200"/>
+          </a:p>
+          <a:p>
+            <a:pPr indent="-368300" lvl="0" marL="457200" rtl="0">
+              <a:spcBef>
+                <a:spcPts val="0"/>
+              </a:spcBef>
+              <a:spcAft>
+                <a:spcPts val="0"/>
+              </a:spcAft>
+              <a:buSzPts val="2200"/>
+              <a:buAutoNum type="arabicPeriod"/>
+            </a:pPr>
+            <a:r>
+              <a:rPr lang="en" sz="2200"/>
+              <a:t>Search surveys on a </a:t>
+            </a:r>
+            <a:r>
+              <a:rPr i="1" lang="en" sz="2200"/>
+              <a:t>granular level</a:t>
+            </a:r>
+            <a:r>
+              <a:rPr b="1" lang="en" sz="2200"/>
+              <a:t> </a:t>
+            </a:r>
+            <a:r>
+              <a:rPr lang="en" sz="2200"/>
+              <a:t>(for individual questions) as well as for entire surveys</a:t>
+            </a:r>
+            <a:endParaRPr sz="2200"/>
+          </a:p>
+          <a:p>
+            <a:pPr indent="-368300" lvl="0" marL="457200" rtl="0">
+              <a:spcBef>
+                <a:spcPts val="0"/>
+              </a:spcBef>
+              <a:spcAft>
+                <a:spcPts val="0"/>
+              </a:spcAft>
+              <a:buSzPts val="2200"/>
+              <a:buAutoNum type="arabicPeriod"/>
+            </a:pPr>
+            <a:r>
+              <a:rPr i="1" lang="en" sz="2200"/>
+              <a:t>Upload and share</a:t>
+            </a:r>
+            <a:r>
+              <a:rPr lang="en" sz="2200"/>
+              <a:t> their own survey data</a:t>
+            </a:r>
+            <a:endParaRPr b="1" sz="2200"/>
+          </a:p>
+          <a:p>
+            <a:pPr indent="0" lvl="0" marL="0">
+              <a:spcBef>
+                <a:spcPts val="1600"/>
+              </a:spcBef>
+              <a:spcAft>
+                <a:spcPts val="0"/>
+              </a:spcAft>
+              <a:buNone/>
+            </a:pPr>
+            <a:r>
+              <a:t/>
+            </a:r>
+            <a:endParaRPr b="1"/>
+          </a:p>
+          <a:p>
+            <a:pPr indent="0" lvl="0" marL="0">
+              <a:spcBef>
+                <a:spcPts val="1600"/>
+              </a:spcBef>
+              <a:spcAft>
+                <a:spcPts val="0"/>
+              </a:spcAft>
+              <a:buNone/>
+            </a:pPr>
+            <a:r>
+              <a:t/>
+            </a:r>
+            <a:endParaRPr/>
+          </a:p>
+          <a:p>
+            <a:pPr indent="0" lvl="0" marL="0">
+              <a:spcBef>
+                <a:spcPts val="1600"/>
+              </a:spcBef>
+              <a:spcAft>
+                <a:spcPts val="1600"/>
+              </a:spcAft>
+              <a:buNone/>
+            </a:pPr>
+            <a:r>
+              <a:t/>
+            </a:r>
+            <a:endParaRPr/>
+          </a:p>
+        </p:txBody>
+      </p:sp>
+    </p:spTree>
+  </p:cSld>
+  <p:clrMapOvr>
+    <a:masterClrMapping/>
+  </p:clrMapOvr>
+</p:sld>
+</file>
+
+<file path=ppt/slides/slide4.xml><?xml version="1.0" encoding="utf-8"?>
+<p:sld xmlns:a="http://schemas.openxmlformats.org/drawingml/2006/main" xmlns:r="http://schemas.openxmlformats.org/officeDocument/2006/relationships" xmlns:mc="http://schemas.openxmlformats.org/markup-compatibility/2006" xmlns:mv="urn:schemas-microsoft-com:mac:vml" xmlns:p="http://schemas.openxmlformats.org/presentationml/2006/main" xmlns:c="http://schemas.openxmlformats.org/drawingml/2006/chart" xmlns:dgm="http://schemas.openxmlformats.org/drawingml/2006/diagram" xmlns:o="urn:schemas-microsoft-com:office:office" xmlns:v="urn:schemas-microsoft-com:vml" xmlns:pvml="urn:schemas-microsoft-com:office:powerpoint" xmlns:com="http://schemas.openxmlformats.org/drawingml/2006/compatibility" xmlns:p14="http://schemas.microsoft.com/office/powerpoint/2010/main" xmlns:p15="http://schemas.microsoft.com/office/powerpoint/2012/main">
+  <p:cSld>
+    <p:spTree>
+      <p:nvGrpSpPr>
+        <p:cNvPr id="77" name="Shape 77"/>
+        <p:cNvGrpSpPr/>
+        <p:nvPr/>
+      </p:nvGrpSpPr>
+      <p:grpSpPr>
+        <a:xfrm>
+          <a:off x="0" y="0"/>
+          <a:ext cx="0" cy="0"/>
+          <a:chOff x="0" y="0"/>
+          <a:chExt cx="0" cy="0"/>
+        </a:xfrm>
+      </p:grpSpPr>
       <p:pic>
         <p:nvPicPr>
-          <p:cNvPr id="72" name="Shape 72"/>
+          <p:cNvPr id="78" name="Shape 78"/>
           <p:cNvPicPr preferRelativeResize="0"/>
           <p:nvPr/>
         </p:nvPicPr>
@@ -7231,12 +7657,12 @@
 </p:sld>
 </file>
 
-<file path=ppt/slides/slide4.xml><?xml version="1.0" encoding="utf-8"?>
+<file path=ppt/slides/slide5.xml><?xml version="1.0" encoding="utf-8"?>
 <p:sld xmlns:a="http://schemas.openxmlformats.org/drawingml/2006/main" xmlns:r="http://schemas.openxmlformats.org/officeDocument/2006/relationships" xmlns:mc="http://schemas.openxmlformats.org/markup-compatibility/2006" xmlns:mv="urn:schemas-microsoft-com:mac:vml" xmlns:p="http://schemas.openxmlformats.org/presentationml/2006/main" xmlns:c="http://schemas.openxmlformats.org/drawingml/2006/chart" xmlns:dgm="http://schemas.openxmlformats.org/drawingml/2006/diagram" xmlns:o="urn:schemas-microsoft-com:office:office" xmlns:v="urn:schemas-microsoft-com:vml" xmlns:pvml="urn:schemas-microsoft-com:office:powerpoint" xmlns:com="http://schemas.openxmlformats.org/drawingml/2006/compatibility" xmlns:p14="http://schemas.microsoft.com/office/powerpoint/2010/main" xmlns:p15="http://schemas.microsoft.com/office/powerpoint/2012/main">
   <p:cSld>
     <p:spTree>
       <p:nvGrpSpPr>
-        <p:cNvPr id="76" name="Shape 76"/>
+        <p:cNvPr id="82" name="Shape 82"/>
         <p:cNvGrpSpPr/>
         <p:nvPr/>
       </p:nvGrpSpPr>
@@ -7250,7 +7676,7 @@
       </p:grpSpPr>
       <p:pic>
         <p:nvPicPr>
-          <p:cNvPr id="77" name="Shape 77"/>
+          <p:cNvPr id="83" name="Shape 83"/>
           <p:cNvPicPr preferRelativeResize="0"/>
           <p:nvPr/>
         </p:nvPicPr>
@@ -7284,12 +7710,12 @@
 </p:sld>
 </file>
 
-<file path=ppt/slides/slide5.xml><?xml version="1.0" encoding="utf-8"?>
+<file path=ppt/slides/slide6.xml><?xml version="1.0" encoding="utf-8"?>
 <p:sld xmlns:a="http://schemas.openxmlformats.org/drawingml/2006/main" xmlns:r="http://schemas.openxmlformats.org/officeDocument/2006/relationships" xmlns:mc="http://schemas.openxmlformats.org/markup-compatibility/2006" xmlns:mv="urn:schemas-microsoft-com:mac:vml" xmlns:p="http://schemas.openxmlformats.org/presentationml/2006/main" xmlns:c="http://schemas.openxmlformats.org/drawingml/2006/chart" xmlns:dgm="http://schemas.openxmlformats.org/drawingml/2006/diagram" xmlns:o="urn:schemas-microsoft-com:office:office" xmlns:v="urn:schemas-microsoft-com:vml" xmlns:pvml="urn:schemas-microsoft-com:office:powerpoint" xmlns:com="http://schemas.openxmlformats.org/drawingml/2006/compatibility" xmlns:p14="http://schemas.microsoft.com/office/powerpoint/2010/main" xmlns:p15="http://schemas.microsoft.com/office/powerpoint/2012/main">
   <p:cSld>
     <p:spTree>
       <p:nvGrpSpPr>
-        <p:cNvPr id="81" name="Shape 81"/>
+        <p:cNvPr id="87" name="Shape 87"/>
         <p:cNvGrpSpPr/>
         <p:nvPr/>
       </p:nvGrpSpPr>
@@ -7303,7 +7729,7 @@
       </p:grpSpPr>
       <p:sp>
         <p:nvSpPr>
-          <p:cNvPr id="82" name="Shape 82"/>
+          <p:cNvPr id="88" name="Shape 88"/>
           <p:cNvSpPr txBox="1"/>
           <p:nvPr>
             <p:ph type="title"/>
@@ -7343,7 +7769,7 @@
       </p:sp>
       <p:sp>
         <p:nvSpPr>
-          <p:cNvPr id="83" name="Shape 83"/>
+          <p:cNvPr id="89" name="Shape 89"/>
           <p:cNvSpPr txBox="1"/>
           <p:nvPr>
             <p:ph idx="1" type="body"/>
@@ -7376,7 +7802,7 @@
             </a:pPr>
             <a:r>
               <a:rPr lang="en" sz="1900"/>
-              <a:t>Data processing/handling files in Python (pypdf, </a:t>
+              <a:t>Data processing/handling files in Python (pypdf2, </a:t>
             </a:r>
             <a:r>
               <a:rPr lang="en" sz="1900"/>
@@ -7488,7 +7914,7 @@
       </p:sp>
       <p:pic>
         <p:nvPicPr>
-          <p:cNvPr id="84" name="Shape 84"/>
+          <p:cNvPr id="90" name="Shape 90"/>
           <p:cNvPicPr preferRelativeResize="0"/>
           <p:nvPr/>
         </p:nvPicPr>
@@ -7521,326 +7947,6 @@
           </a:effectLst>
         </p:spPr>
       </p:pic>
-    </p:spTree>
-  </p:cSld>
-  <p:clrMapOvr>
-    <a:masterClrMapping/>
-  </p:clrMapOvr>
-</p:sld>
-</file>
-
-<file path=ppt/slides/slide6.xml><?xml version="1.0" encoding="utf-8"?>
-<p:sld xmlns:a="http://schemas.openxmlformats.org/drawingml/2006/main" xmlns:r="http://schemas.openxmlformats.org/officeDocument/2006/relationships" xmlns:mc="http://schemas.openxmlformats.org/markup-compatibility/2006" xmlns:mv="urn:schemas-microsoft-com:mac:vml" xmlns:p="http://schemas.openxmlformats.org/presentationml/2006/main" xmlns:c="http://schemas.openxmlformats.org/drawingml/2006/chart" xmlns:dgm="http://schemas.openxmlformats.org/drawingml/2006/diagram" xmlns:o="urn:schemas-microsoft-com:office:office" xmlns:v="urn:schemas-microsoft-com:vml" xmlns:pvml="urn:schemas-microsoft-com:office:powerpoint" xmlns:com="http://schemas.openxmlformats.org/drawingml/2006/compatibility" xmlns:p14="http://schemas.microsoft.com/office/powerpoint/2010/main" xmlns:p15="http://schemas.microsoft.com/office/powerpoint/2012/main">
-  <p:cSld>
-    <p:spTree>
-      <p:nvGrpSpPr>
-        <p:cNvPr id="88" name="Shape 88"/>
-        <p:cNvGrpSpPr/>
-        <p:nvPr/>
-      </p:nvGrpSpPr>
-      <p:grpSpPr>
-        <a:xfrm>
-          <a:off x="0" y="0"/>
-          <a:ext cx="0" cy="0"/>
-          <a:chOff x="0" y="0"/>
-          <a:chExt cx="0" cy="0"/>
-        </a:xfrm>
-      </p:grpSpPr>
-      <p:sp>
-        <p:nvSpPr>
-          <p:cNvPr id="89" name="Shape 89"/>
-          <p:cNvSpPr txBox="1"/>
-          <p:nvPr>
-            <p:ph type="title"/>
-          </p:nvPr>
-        </p:nvSpPr>
-        <p:spPr>
-          <a:xfrm>
-            <a:off x="311700" y="445025"/>
-            <a:ext cx="8520600" cy="572700"/>
-          </a:xfrm>
-          <a:prstGeom prst="rect">
-            <a:avLst/>
-          </a:prstGeom>
-        </p:spPr>
-        <p:txBody>
-          <a:bodyPr anchorCtr="0" anchor="t" bIns="91425" lIns="91425" spcFirstLastPara="1" rIns="91425" wrap="square" tIns="91425">
-            <a:noAutofit/>
-          </a:bodyPr>
-          <a:lstStyle/>
-          <a:p>
-            <a:pPr indent="0" lvl="0" marL="0">
-              <a:spcBef>
-                <a:spcPts val="0"/>
-              </a:spcBef>
-              <a:spcAft>
-                <a:spcPts val="0"/>
-              </a:spcAft>
-              <a:buNone/>
-            </a:pPr>
-            <a:r>
-              <a:rPr lang="en"/>
-              <a:t>Challenges</a:t>
-            </a:r>
-            <a:endParaRPr/>
-          </a:p>
-        </p:txBody>
-      </p:sp>
-      <p:sp>
-        <p:nvSpPr>
-          <p:cNvPr id="90" name="Shape 90"/>
-          <p:cNvSpPr txBox="1"/>
-          <p:nvPr>
-            <p:ph idx="1" type="body"/>
-          </p:nvPr>
-        </p:nvSpPr>
-        <p:spPr>
-          <a:xfrm>
-            <a:off x="311700" y="1273850"/>
-            <a:ext cx="8520600" cy="3294900"/>
-          </a:xfrm>
-          <a:prstGeom prst="rect">
-            <a:avLst/>
-          </a:prstGeom>
-        </p:spPr>
-        <p:txBody>
-          <a:bodyPr anchorCtr="0" anchor="t" bIns="91425" lIns="91425" spcFirstLastPara="1" rIns="91425" wrap="square" tIns="91425">
-            <a:noAutofit/>
-          </a:bodyPr>
-          <a:lstStyle/>
-          <a:p>
-            <a:pPr indent="-342900" lvl="0" marL="457200" rtl="0">
-              <a:spcBef>
-                <a:spcPts val="0"/>
-              </a:spcBef>
-              <a:spcAft>
-                <a:spcPts val="0"/>
-              </a:spcAft>
-              <a:buSzPts val="1800"/>
-              <a:buChar char="●"/>
-            </a:pPr>
-            <a:r>
-              <a:rPr lang="en"/>
-              <a:t>Survey data cleaning is HARD</a:t>
-            </a:r>
-            <a:endParaRPr/>
-          </a:p>
-          <a:p>
-            <a:pPr indent="-317500" lvl="1" marL="914400" rtl="0">
-              <a:spcBef>
-                <a:spcPts val="0"/>
-              </a:spcBef>
-              <a:spcAft>
-                <a:spcPts val="0"/>
-              </a:spcAft>
-              <a:buSzPts val="1400"/>
-              <a:buChar char="○"/>
-            </a:pPr>
-            <a:r>
-              <a:rPr lang="en"/>
-              <a:t>Data is in many formats</a:t>
-            </a:r>
-            <a:endParaRPr/>
-          </a:p>
-          <a:p>
-            <a:pPr indent="-317500" lvl="1" marL="914400" rtl="0">
-              <a:spcBef>
-                <a:spcPts val="0"/>
-              </a:spcBef>
-              <a:spcAft>
-                <a:spcPts val="0"/>
-              </a:spcAft>
-              <a:buSzPts val="1400"/>
-              <a:buChar char="○"/>
-            </a:pPr>
-            <a:r>
-              <a:rPr lang="en"/>
-              <a:t>Difficult to reuse code</a:t>
-            </a:r>
-            <a:endParaRPr/>
-          </a:p>
-          <a:p>
-            <a:pPr indent="-342900" lvl="0" marL="457200" rtl="0">
-              <a:spcBef>
-                <a:spcPts val="0"/>
-              </a:spcBef>
-              <a:spcAft>
-                <a:spcPts val="0"/>
-              </a:spcAft>
-              <a:buSzPts val="1800"/>
-              <a:buChar char="●"/>
-            </a:pPr>
-            <a:r>
-              <a:rPr lang="en"/>
-              <a:t>Django’s modularity makes it versatile, but learning curve is steep</a:t>
-            </a:r>
-            <a:endParaRPr/>
-          </a:p>
-          <a:p>
-            <a:pPr indent="-317500" lvl="1" marL="914400" rtl="0">
-              <a:spcBef>
-                <a:spcPts val="0"/>
-              </a:spcBef>
-              <a:spcAft>
-                <a:spcPts val="0"/>
-              </a:spcAft>
-              <a:buSzPts val="1400"/>
-              <a:buChar char="○"/>
-            </a:pPr>
-            <a:r>
-              <a:rPr lang="en"/>
-              <a:t>Integrating multiple modules: search, form, files, word cloud, etc.</a:t>
-            </a:r>
-            <a:endParaRPr/>
-          </a:p>
-          <a:p>
-            <a:pPr indent="-342900" lvl="0" marL="457200" rtl="0">
-              <a:lnSpc>
-                <a:spcPct val="100000"/>
-              </a:lnSpc>
-              <a:spcBef>
-                <a:spcPts val="0"/>
-              </a:spcBef>
-              <a:spcAft>
-                <a:spcPts val="0"/>
-              </a:spcAft>
-              <a:buSzPts val="1800"/>
-              <a:buChar char="●"/>
-            </a:pPr>
-            <a:r>
-              <a:rPr lang="en"/>
-              <a:t>Learning the best practices of software development </a:t>
-            </a:r>
-            <a:endParaRPr/>
-          </a:p>
-          <a:p>
-            <a:pPr indent="-317500" lvl="1" marL="914400" rtl="0">
-              <a:lnSpc>
-                <a:spcPct val="100000"/>
-              </a:lnSpc>
-              <a:spcBef>
-                <a:spcPts val="0"/>
-              </a:spcBef>
-              <a:spcAft>
-                <a:spcPts val="0"/>
-              </a:spcAft>
-              <a:buSzPts val="1400"/>
-              <a:buChar char="○"/>
-            </a:pPr>
-            <a:r>
-              <a:rPr lang="en"/>
-              <a:t>Version control </a:t>
-            </a:r>
-            <a:endParaRPr/>
-          </a:p>
-          <a:p>
-            <a:pPr indent="-317500" lvl="1" marL="914400" rtl="0">
-              <a:lnSpc>
-                <a:spcPct val="100000"/>
-              </a:lnSpc>
-              <a:spcBef>
-                <a:spcPts val="0"/>
-              </a:spcBef>
-              <a:spcAft>
-                <a:spcPts val="0"/>
-              </a:spcAft>
-              <a:buSzPts val="1400"/>
-              <a:buChar char="○"/>
-            </a:pPr>
-            <a:r>
-              <a:rPr lang="en"/>
-              <a:t>Teamwork is hard, communicate with and love your teammates &lt;3</a:t>
-            </a:r>
-            <a:endParaRPr/>
-          </a:p>
-          <a:p>
-            <a:pPr indent="-317500" lvl="1" marL="914400" rtl="0">
-              <a:lnSpc>
-                <a:spcPct val="100000"/>
-              </a:lnSpc>
-              <a:spcBef>
-                <a:spcPts val="0"/>
-              </a:spcBef>
-              <a:spcAft>
-                <a:spcPts val="0"/>
-              </a:spcAft>
-              <a:buSzPts val="1400"/>
-              <a:buChar char="○"/>
-            </a:pPr>
-            <a:r>
-              <a:rPr lang="en"/>
-              <a:t>A lot of programming involves using resources and reading documentation</a:t>
-            </a:r>
-            <a:endParaRPr/>
-          </a:p>
-          <a:p>
-            <a:pPr indent="-317500" lvl="1" marL="914400" rtl="0">
-              <a:lnSpc>
-                <a:spcPct val="100000"/>
-              </a:lnSpc>
-              <a:spcBef>
-                <a:spcPts val="0"/>
-              </a:spcBef>
-              <a:spcAft>
-                <a:spcPts val="0"/>
-              </a:spcAft>
-              <a:buSzPts val="1400"/>
-              <a:buChar char="○"/>
-            </a:pPr>
-            <a:r>
-              <a:rPr lang="en"/>
-              <a:t>Don’t be afraid to try things</a:t>
-            </a:r>
-            <a:endParaRPr/>
-          </a:p>
-          <a:p>
-            <a:pPr indent="0" lvl="0" marL="0" rtl="0">
-              <a:spcBef>
-                <a:spcPts val="0"/>
-              </a:spcBef>
-              <a:spcAft>
-                <a:spcPts val="0"/>
-              </a:spcAft>
-              <a:buNone/>
-            </a:pPr>
-            <a:r>
-              <a:rPr lang="en"/>
-              <a:t> </a:t>
-            </a:r>
-            <a:endParaRPr/>
-          </a:p>
-          <a:p>
-            <a:pPr indent="0" lvl="0" marL="0" rtl="0">
-              <a:spcBef>
-                <a:spcPts val="1600"/>
-              </a:spcBef>
-              <a:spcAft>
-                <a:spcPts val="0"/>
-              </a:spcAft>
-              <a:buNone/>
-            </a:pPr>
-            <a:r>
-              <a:t/>
-            </a:r>
-            <a:endParaRPr/>
-          </a:p>
-          <a:p>
-            <a:pPr indent="0" lvl="0" marL="0">
-              <a:spcBef>
-                <a:spcPts val="1600"/>
-              </a:spcBef>
-              <a:spcAft>
-                <a:spcPts val="1600"/>
-              </a:spcAft>
-              <a:buNone/>
-            </a:pPr>
-            <a:r>
-              <a:t/>
-            </a:r>
-            <a:endParaRPr/>
-          </a:p>
-        </p:txBody>
-      </p:sp>
     </p:spTree>
   </p:cSld>
   <p:clrMapOvr>
@@ -7900,7 +8006,7 @@
             </a:pPr>
             <a:r>
               <a:rPr lang="en"/>
-              <a:t>Features to come?</a:t>
+              <a:t>Challenges</a:t>
             </a:r>
             <a:endParaRPr/>
           </a:p>
@@ -7916,8 +8022,8 @@
         </p:nvSpPr>
         <p:spPr>
           <a:xfrm>
-            <a:off x="311700" y="1152475"/>
-            <a:ext cx="8520600" cy="3416400"/>
+            <a:off x="311700" y="1273850"/>
+            <a:ext cx="8520600" cy="3294900"/>
           </a:xfrm>
           <a:prstGeom prst="rect">
             <a:avLst/>
@@ -7941,7 +8047,7 @@
             </a:pPr>
             <a:r>
               <a:rPr lang="en"/>
-              <a:t>Shared search history/autocomplete </a:t>
+              <a:t>Survey data cleaning is time-consuming and hard</a:t>
             </a:r>
             <a:endParaRPr/>
           </a:p>
@@ -7958,7 +8064,24 @@
             </a:pPr>
             <a:r>
               <a:rPr lang="en"/>
-              <a:t>Visualization of search patterns</a:t>
+              <a:t>Data is in many formats</a:t>
+            </a:r>
+            <a:endParaRPr/>
+          </a:p>
+          <a:p>
+            <a:pPr indent="-317500" lvl="1" marL="914400" rtl="0">
+              <a:spcBef>
+                <a:spcPts val="0"/>
+              </a:spcBef>
+              <a:spcAft>
+                <a:spcPts val="0"/>
+              </a:spcAft>
+              <a:buSzPts val="1400"/>
+              <a:buChar char="○"/>
+            </a:pPr>
+            <a:r>
+              <a:rPr lang="en"/>
+              <a:t>Difficult to reuse code</a:t>
             </a:r>
             <a:endParaRPr/>
           </a:p>
@@ -7975,7 +8098,7 @@
             </a:pPr>
             <a:r>
               <a:rPr lang="en"/>
-              <a:t>Advanced query engine</a:t>
+              <a:t>Django’s modularity makes it versatile, but learning curve is steep</a:t>
             </a:r>
             <a:endParaRPr/>
           </a:p>
@@ -7992,12 +8115,15 @@
             </a:pPr>
             <a:r>
               <a:rPr lang="en"/>
-              <a:t>A smarter search that accounts for typos and similar words</a:t>
+              <a:t>Integrating multiple modules: search, form, files, word cloud, etc.</a:t>
             </a:r>
             <a:endParaRPr/>
           </a:p>
           <a:p>
             <a:pPr indent="-342900" lvl="0" marL="457200" rtl="0">
+              <a:lnSpc>
+                <a:spcPct val="100000"/>
+              </a:lnSpc>
               <a:spcBef>
                 <a:spcPts val="0"/>
               </a:spcBef>
@@ -8009,7 +8135,133 @@
             </a:pPr>
             <a:r>
               <a:rPr lang="en"/>
-              <a:t>Visualizations of survey data</a:t>
+              <a:t>Learning the best practices of software development </a:t>
+            </a:r>
+            <a:endParaRPr/>
+          </a:p>
+          <a:p>
+            <a:pPr indent="-317500" lvl="1" marL="914400" rtl="0">
+              <a:lnSpc>
+                <a:spcPct val="100000"/>
+              </a:lnSpc>
+              <a:spcBef>
+                <a:spcPts val="0"/>
+              </a:spcBef>
+              <a:spcAft>
+                <a:spcPts val="0"/>
+              </a:spcAft>
+              <a:buSzPts val="1400"/>
+              <a:buChar char="○"/>
+            </a:pPr>
+            <a:r>
+              <a:rPr lang="en"/>
+              <a:t>Version control </a:t>
+            </a:r>
+            <a:endParaRPr/>
+          </a:p>
+          <a:p>
+            <a:pPr indent="-317500" lvl="1" marL="914400" rtl="0">
+              <a:lnSpc>
+                <a:spcPct val="100000"/>
+              </a:lnSpc>
+              <a:spcBef>
+                <a:spcPts val="0"/>
+              </a:spcBef>
+              <a:spcAft>
+                <a:spcPts val="0"/>
+              </a:spcAft>
+              <a:buSzPts val="1400"/>
+              <a:buChar char="○"/>
+            </a:pPr>
+            <a:r>
+              <a:rPr lang="en"/>
+              <a:t>Teamwork is hard, communicate with and love your teammates &lt;3</a:t>
+            </a:r>
+            <a:endParaRPr/>
+          </a:p>
+          <a:p>
+            <a:pPr indent="-317500" lvl="1" marL="914400" rtl="0">
+              <a:lnSpc>
+                <a:spcPct val="100000"/>
+              </a:lnSpc>
+              <a:spcBef>
+                <a:spcPts val="0"/>
+              </a:spcBef>
+              <a:spcAft>
+                <a:spcPts val="0"/>
+              </a:spcAft>
+              <a:buSzPts val="1400"/>
+              <a:buChar char="○"/>
+            </a:pPr>
+            <a:r>
+              <a:rPr lang="en"/>
+              <a:t>A lot of programming involves using resources and reading documentation</a:t>
+            </a:r>
+            <a:endParaRPr/>
+          </a:p>
+          <a:p>
+            <a:pPr indent="-317500" lvl="1" marL="914400" rtl="0">
+              <a:lnSpc>
+                <a:spcPct val="100000"/>
+              </a:lnSpc>
+              <a:spcBef>
+                <a:spcPts val="0"/>
+              </a:spcBef>
+              <a:spcAft>
+                <a:spcPts val="0"/>
+              </a:spcAft>
+              <a:buSzPts val="1400"/>
+              <a:buChar char="○"/>
+            </a:pPr>
+            <a:r>
+              <a:rPr lang="en"/>
+              <a:t>Don’t be afraid to try things</a:t>
+            </a:r>
+            <a:endParaRPr/>
+          </a:p>
+          <a:p>
+            <a:pPr indent="0" lvl="0" marL="0" rtl="0">
+              <a:spcBef>
+                <a:spcPts val="0"/>
+              </a:spcBef>
+              <a:spcAft>
+                <a:spcPts val="0"/>
+              </a:spcAft>
+              <a:buNone/>
+            </a:pPr>
+            <a:r>
+              <a:rPr lang="en"/>
+              <a:t> </a:t>
+            </a:r>
+            <a:endParaRPr/>
+          </a:p>
+          <a:p>
+            <a:pPr indent="0" lvl="0" marL="0" rtl="0">
+              <a:spcBef>
+                <a:spcPts val="1600"/>
+              </a:spcBef>
+              <a:spcAft>
+                <a:spcPts val="0"/>
+              </a:spcAft>
+              <a:buNone/>
+            </a:pPr>
+            <a:r>
+              <a:t/>
+            </a:r>
+            <a:endParaRPr/>
+          </a:p>
+          <a:p>
+            <a:pPr indent="0" lvl="0" marL="0">
+              <a:spcBef>
+                <a:spcPts val="1600"/>
+              </a:spcBef>
+              <a:spcAft>
+                <a:spcPts val="1600"/>
+              </a:spcAft>
+              <a:buNone/>
+            </a:pPr>
+            <a:r>
+              <a:t/>
             </a:r>
             <a:endParaRPr/>
           </a:p>
@@ -8050,8 +8302,8 @@
         </p:nvSpPr>
         <p:spPr>
           <a:xfrm>
-            <a:off x="311700" y="2075275"/>
-            <a:ext cx="8520600" cy="655200"/>
+            <a:off x="311700" y="445025"/>
+            <a:ext cx="8520600" cy="572700"/>
           </a:xfrm>
           <a:prstGeom prst="rect">
             <a:avLst/>
@@ -8063,7 +8315,7 @@
           </a:bodyPr>
           <a:lstStyle/>
           <a:p>
-            <a:pPr indent="0" lvl="0" marL="0" algn="ctr">
+            <a:pPr indent="0" lvl="0" marL="0">
               <a:spcBef>
                 <a:spcPts val="0"/>
               </a:spcBef>
@@ -8074,7 +8326,133 @@
             </a:pPr>
             <a:r>
               <a:rPr lang="en"/>
-              <a:t>Let’s do a demo!</a:t>
+              <a:t>Features to come?</a:t>
+            </a:r>
+            <a:endParaRPr/>
+          </a:p>
+        </p:txBody>
+      </p:sp>
+      <p:sp>
+        <p:nvSpPr>
+          <p:cNvPr id="102" name="Shape 102"/>
+          <p:cNvSpPr txBox="1"/>
+          <p:nvPr>
+            <p:ph idx="1" type="body"/>
+          </p:nvPr>
+        </p:nvSpPr>
+        <p:spPr>
+          <a:xfrm>
+            <a:off x="311700" y="1152475"/>
+            <a:ext cx="8520600" cy="3416400"/>
+          </a:xfrm>
+          <a:prstGeom prst="rect">
+            <a:avLst/>
+          </a:prstGeom>
+        </p:spPr>
+        <p:txBody>
+          <a:bodyPr anchorCtr="0" anchor="t" bIns="91425" lIns="91425" spcFirstLastPara="1" rIns="91425" wrap="square" tIns="91425">
+            <a:noAutofit/>
+          </a:bodyPr>
+          <a:lstStyle/>
+          <a:p>
+            <a:pPr indent="-342900" lvl="0" marL="457200" rtl="0">
+              <a:spcBef>
+                <a:spcPts val="0"/>
+              </a:spcBef>
+              <a:spcAft>
+                <a:spcPts val="0"/>
+              </a:spcAft>
+              <a:buSzPts val="1800"/>
+              <a:buChar char="●"/>
+            </a:pPr>
+            <a:r>
+              <a:rPr lang="en"/>
+              <a:t>Shared search history/autocomplete </a:t>
+            </a:r>
+            <a:endParaRPr/>
+          </a:p>
+          <a:p>
+            <a:pPr indent="-317500" lvl="1" marL="914400" rtl="0">
+              <a:spcBef>
+                <a:spcPts val="0"/>
+              </a:spcBef>
+              <a:spcAft>
+                <a:spcPts val="0"/>
+              </a:spcAft>
+              <a:buSzPts val="1400"/>
+              <a:buChar char="○"/>
+            </a:pPr>
+            <a:r>
+              <a:rPr lang="en"/>
+              <a:t>Visualization of search patterns</a:t>
+            </a:r>
+            <a:endParaRPr/>
+          </a:p>
+          <a:p>
+            <a:pPr indent="-342900" lvl="0" marL="457200" rtl="0">
+              <a:spcBef>
+                <a:spcPts val="0"/>
+              </a:spcBef>
+              <a:spcAft>
+                <a:spcPts val="0"/>
+              </a:spcAft>
+              <a:buSzPts val="1800"/>
+              <a:buChar char="●"/>
+            </a:pPr>
+            <a:r>
+              <a:rPr lang="en"/>
+              <a:t>Advanced query engine</a:t>
+            </a:r>
+            <a:endParaRPr/>
+          </a:p>
+          <a:p>
+            <a:pPr indent="-317500" lvl="1" marL="914400" rtl="0">
+              <a:spcBef>
+                <a:spcPts val="0"/>
+              </a:spcBef>
+              <a:spcAft>
+                <a:spcPts val="0"/>
+              </a:spcAft>
+              <a:buSzPts val="1400"/>
+              <a:buChar char="○"/>
+            </a:pPr>
+            <a:r>
+              <a:rPr lang="en"/>
+              <a:t>A smarter search that accounts for typos and similar words</a:t>
+            </a:r>
+            <a:endParaRPr/>
+          </a:p>
+          <a:p>
+            <a:pPr indent="-342900" lvl="0" marL="457200" rtl="0">
+              <a:spcBef>
+                <a:spcPts val="0"/>
+              </a:spcBef>
+              <a:spcAft>
+                <a:spcPts val="0"/>
+              </a:spcAft>
+              <a:buSzPts val="1800"/>
+              <a:buChar char="●"/>
+            </a:pPr>
+            <a:r>
+              <a:rPr lang="en"/>
+              <a:t>Visualizations of survey data</a:t>
+            </a:r>
+            <a:endParaRPr/>
+          </a:p>
+          <a:p>
+            <a:pPr indent="-342900" lvl="0" marL="457200" rtl="0">
+              <a:spcBef>
+                <a:spcPts val="0"/>
+              </a:spcBef>
+              <a:spcAft>
+                <a:spcPts val="0"/>
+              </a:spcAft>
+              <a:buSzPts val="1800"/>
+              <a:buChar char="●"/>
+            </a:pPr>
+            <a:r>
+              <a:rPr lang="en"/>
+              <a:t>User file upload directly to site (alternative to links)</a:t>
             </a:r>
             <a:endParaRPr/>
           </a:p>
@@ -8093,7 +8471,7 @@
   <p:cSld>
     <p:spTree>
       <p:nvGrpSpPr>
-        <p:cNvPr id="105" name="Shape 105"/>
+        <p:cNvPr id="106" name="Shape 106"/>
         <p:cNvGrpSpPr/>
         <p:nvPr/>
       </p:nvGrpSpPr>
@@ -8107,7 +8485,7 @@
       </p:grpSpPr>
       <p:sp>
         <p:nvSpPr>
-          <p:cNvPr id="106" name="Shape 106"/>
+          <p:cNvPr id="107" name="Shape 107"/>
           <p:cNvSpPr txBox="1"/>
           <p:nvPr>
             <p:ph type="title"/>
@@ -8115,7 +8493,7 @@
         </p:nvSpPr>
         <p:spPr>
           <a:xfrm>
-            <a:off x="311700" y="494200"/>
+            <a:off x="311700" y="2075275"/>
             <a:ext cx="8520600" cy="655200"/>
           </a:xfrm>
           <a:prstGeom prst="rect">
@@ -8128,7 +8506,7 @@
           </a:bodyPr>
           <a:lstStyle/>
           <a:p>
-            <a:pPr indent="0" lvl="0" marL="0" rtl="0" algn="ctr">
+            <a:pPr indent="0" lvl="0" marL="0" algn="ctr">
               <a:spcBef>
                 <a:spcPts val="0"/>
               </a:spcBef>
@@ -8139,68 +8517,12 @@
             </a:pPr>
             <a:r>
               <a:rPr lang="en"/>
-              <a:t>Questions/Comments?</a:t>
+              <a:t>Let’s do a demo!</a:t>
             </a:r>
             <a:endParaRPr/>
           </a:p>
         </p:txBody>
       </p:sp>
-      <p:pic>
-        <p:nvPicPr>
-          <p:cNvPr id="107" name="Shape 107"/>
-          <p:cNvPicPr preferRelativeResize="0"/>
-          <p:nvPr/>
-        </p:nvPicPr>
-        <p:blipFill>
-          <a:blip r:embed="rId3">
-            <a:alphaModFix/>
-          </a:blip>
-          <a:stretch>
-            <a:fillRect/>
-          </a:stretch>
-        </p:blipFill>
-        <p:spPr>
-          <a:xfrm>
-            <a:off x="4661424" y="1459463"/>
-            <a:ext cx="4240928" cy="3180673"/>
-          </a:xfrm>
-          <a:prstGeom prst="rect">
-            <a:avLst/>
-          </a:prstGeom>
-          <a:noFill/>
-          <a:ln>
-            <a:noFill/>
-          </a:ln>
-        </p:spPr>
-      </p:pic>
-      <p:pic>
-        <p:nvPicPr>
-          <p:cNvPr id="108" name="Shape 108"/>
-          <p:cNvPicPr preferRelativeResize="0"/>
-          <p:nvPr/>
-        </p:nvPicPr>
-        <p:blipFill>
-          <a:blip r:embed="rId4">
-            <a:alphaModFix/>
-          </a:blip>
-          <a:stretch>
-            <a:fillRect/>
-          </a:stretch>
-        </p:blipFill>
-        <p:spPr>
-          <a:xfrm>
-            <a:off x="192450" y="1456700"/>
-            <a:ext cx="4240928" cy="3186189"/>
-          </a:xfrm>
-          <a:prstGeom prst="rect">
-            <a:avLst/>
-          </a:prstGeom>
-          <a:noFill/>
-          <a:ln>
-            <a:noFill/>
-          </a:ln>
-        </p:spPr>
-      </p:pic>
     </p:spTree>
   </p:cSld>
   <p:clrMapOvr>
@@ -8210,6 +8532,285 @@
 </file>
 
 <file path=ppt/theme/theme1.xml><?xml version="1.0" encoding="utf-8"?>
+<a:theme xmlns:a="http://schemas.openxmlformats.org/drawingml/2006/main" xmlns:r="http://schemas.openxmlformats.org/officeDocument/2006/relationships" name="Slate">
+  <a:themeElements>
+    <a:clrScheme name="Slate">
+      <a:dk1>
+        <a:srgbClr val="FFFFFF"/>
+      </a:dk1>
+      <a:lt1>
+        <a:srgbClr val="37474F"/>
+      </a:lt1>
+      <a:dk2>
+        <a:srgbClr val="9E9E9E"/>
+      </a:dk2>
+      <a:lt2>
+        <a:srgbClr val="E0E0E0"/>
+      </a:lt2>
+      <a:accent1>
+        <a:srgbClr val="616161"/>
+      </a:accent1>
+      <a:accent2>
+        <a:srgbClr val="78909C"/>
+      </a:accent2>
+      <a:accent3>
+        <a:srgbClr val="CACACA"/>
+      </a:accent3>
+      <a:accent4>
+        <a:srgbClr val="64FFDA"/>
+      </a:accent4>
+      <a:accent5>
+        <a:srgbClr val="FFD966"/>
+      </a:accent5>
+      <a:accent6>
+        <a:srgbClr val="F5F5F5"/>
+      </a:accent6>
+      <a:hlink>
+        <a:srgbClr val="FFD966"/>
+      </a:hlink>
+      <a:folHlink>
+        <a:srgbClr val="FFD966"/>
+      </a:folHlink>
+    </a:clrScheme>
+    <a:fontScheme name="Office">
+      <a:majorFont>
+        <a:latin typeface="Arial"/>
+        <a:ea typeface=""/>
+        <a:cs typeface=""/>
+        <a:font script="Jpan" typeface="ＭＳ Ｐゴシック"/>
+        <a:font script="Hang" typeface="맑은 고딕"/>
+        <a:font script="Hans" typeface="宋体"/>
+        <a:font script="Hant" typeface="新細明體"/>
+        <a:font script="Arab" typeface="Times New Roman"/>
+        <a:font script="Hebr" typeface="Times New Roman"/>
+        <a:font script="Thai" typeface="Angsana New"/>
+        <a:font script="Ethi" typeface="Nyala"/>
+        <a:font script="Beng" typeface="Vrinda"/>
+        <a:font script="Gujr" typeface="Shruti"/>
+        <a:font script="Khmr" typeface="MoolBoran"/>
+        <a:font script="Knda" typeface="Tunga"/>
+        <a:font script="Guru" typeface="Raavi"/>
+        <a:font script="Cans" typeface="Euphemia"/>
+        <a:font script="Cher" typeface="Plantagenet Cherokee"/>
+        <a:font script="Yiii" typeface="Microsoft Yi Baiti"/>
+        <a:font script="Tibt" typeface="Microsoft Himalaya"/>
+        <a:font script="Thaa" typeface="MV Boli"/>
+        <a:font script="Deva" typeface="Mangal"/>
+        <a:font script="Telu" typeface="Gautami"/>
+        <a:font script="Taml" typeface="Latha"/>
+        <a:font script="Syrc" typeface="Estrangelo Edessa"/>
+        <a:font script="Orya" typeface="Kalinga"/>
+        <a:font script="Mlym" typeface="Kartika"/>
+        <a:font script="Laoo" typeface="DokChampa"/>
+        <a:font script="Sinh" typeface="Iskoola Pota"/>
+        <a:font script="Mong" typeface="Mongolian Baiti"/>
+        <a:font script="Viet" typeface="Times New Roman"/>
+        <a:font script="Uigh" typeface="Microsoft Uighur"/>
+        <a:font script="Geor" typeface="Sylfaen"/>
+      </a:majorFont>
+      <a:minorFont>
+        <a:latin typeface="Arial"/>
+        <a:ea typeface=""/>
+        <a:cs typeface=""/>
+        <a:font script="Jpan" typeface="ＭＳ Ｐゴシック"/>
+        <a:font script="Hang" typeface="맑은 고딕"/>
+        <a:font script="Hans" typeface="宋体"/>
+        <a:font script="Hant" typeface="新細明體"/>
+        <a:font script="Arab" typeface="Arial"/>
+        <a:font script="Hebr" typeface="Arial"/>
+        <a:font script="Thai" typeface="Cordia New"/>
+        <a:font script="Ethi" typeface="Nyala"/>
+        <a:font script="Beng" typeface="Vrinda"/>
+        <a:font script="Gujr" typeface="Shruti"/>
+        <a:font script="Khmr" typeface="DaunPenh"/>
+        <a:font script="Knda" typeface="Tunga"/>
+        <a:font script="Guru" typeface="Raavi"/>
+        <a:font script="Cans" typeface="Euphemia"/>
+        <a:font script="Cher" typeface="Plantagenet Cherokee"/>
+        <a:font script="Yiii" typeface="Microsoft Yi Baiti"/>
+        <a:font script="Tibt" typeface="Microsoft Himalaya"/>
+        <a:font script="Thaa" typeface="MV Boli"/>
+        <a:font script="Deva" typeface="Mangal"/>
+        <a:font script="Telu" typeface="Gautami"/>
+        <a:font script="Taml" typeface="Latha"/>
+        <a:font script="Syrc" typeface="Estrangelo Edessa"/>
+        <a:font script="Orya" typeface="Kalinga"/>
+        <a:font script="Mlym" typeface="Kartika"/>
+        <a:font script="Laoo" typeface="DokChampa"/>
+        <a:font script="Sinh" typeface="Iskoola Pota"/>
+        <a:font script="Mong" typeface="Mongolian Baiti"/>
+        <a:font script="Viet" typeface="Arial"/>
+        <a:font script="Uigh" typeface="Microsoft Uighur"/>
+        <a:font script="Geor" typeface="Sylfaen"/>
+      </a:minorFont>
+    </a:fontScheme>
+    <a:fmtScheme name="Office">
+      <a:fillStyleLst>
+        <a:solidFill>
+          <a:schemeClr val="phClr"/>
+        </a:solidFill>
+        <a:gradFill rotWithShape="1">
+          <a:gsLst>
+            <a:gs pos="0">
+              <a:schemeClr val="phClr">
+                <a:tint val="50000"/>
+                <a:satMod val="300000"/>
+              </a:schemeClr>
+            </a:gs>
+            <a:gs pos="35000">
+              <a:schemeClr val="phClr">
+                <a:tint val="37000"/>
+                <a:satMod val="300000"/>
+              </a:schemeClr>
+            </a:gs>
+            <a:gs pos="100000">
+              <a:schemeClr val="phClr">
+                <a:tint val="15000"/>
+                <a:satMod val="350000"/>
+              </a:schemeClr>
+            </a:gs>
+          </a:gsLst>
+          <a:lin ang="16200000" scaled="1"/>
+        </a:gradFill>
+        <a:gradFill rotWithShape="1">
+          <a:gsLst>
+            <a:gs pos="0">
+              <a:schemeClr val="phClr">
+                <a:tint val="100000"/>
+                <a:shade val="100000"/>
+                <a:satMod val="130000"/>
+              </a:schemeClr>
+            </a:gs>
+            <a:gs pos="100000">
+              <a:schemeClr val="phClr">
+                <a:tint val="50000"/>
+                <a:shade val="100000"/>
+                <a:satMod val="350000"/>
+              </a:schemeClr>
+            </a:gs>
+          </a:gsLst>
+          <a:lin ang="16200000" scaled="0"/>
+        </a:gradFill>
+      </a:fillStyleLst>
+      <a:lnStyleLst>
+        <a:ln w="9525" cap="flat" cmpd="sng" algn="ctr">
+          <a:solidFill>
+            <a:schemeClr val="phClr">
+              <a:shade val="95000"/>
+              <a:satMod val="105000"/>
+            </a:schemeClr>
+          </a:solidFill>
+          <a:prstDash val="solid"/>
+        </a:ln>
+        <a:ln w="25400" cap="flat" cmpd="sng" algn="ctr">
+          <a:solidFill>
+            <a:schemeClr val="phClr"/>
+          </a:solidFill>
+          <a:prstDash val="solid"/>
+        </a:ln>
+        <a:ln w="38100" cap="flat" cmpd="sng" algn="ctr">
+          <a:solidFill>
+            <a:schemeClr val="phClr"/>
+          </a:solidFill>
+          <a:prstDash val="solid"/>
+        </a:ln>
+      </a:lnStyleLst>
+      <a:effectStyleLst>
+        <a:effectStyle>
+          <a:effectLst>
+            <a:outerShdw blurRad="40000" dist="20000" dir="5400000" rotWithShape="0">
+              <a:srgbClr val="000000">
+                <a:alpha val="38000"/>
+              </a:srgbClr>
+            </a:outerShdw>
+          </a:effectLst>
+        </a:effectStyle>
+        <a:effectStyle>
+          <a:effectLst>
+            <a:outerShdw blurRad="40000" dist="23000" dir="5400000" rotWithShape="0">
+              <a:srgbClr val="000000">
+                <a:alpha val="35000"/>
+              </a:srgbClr>
+            </a:outerShdw>
+          </a:effectLst>
+        </a:effectStyle>
+        <a:effectStyle>
+          <a:effectLst>
+            <a:outerShdw blurRad="40000" dist="23000" dir="5400000" rotWithShape="0">
+              <a:srgbClr val="000000">
+                <a:alpha val="35000"/>
+              </a:srgbClr>
+            </a:outerShdw>
+          </a:effectLst>
+          <a:scene3d>
+            <a:camera prst="orthographicFront">
+              <a:rot lat="0" lon="0" rev="0"/>
+            </a:camera>
+            <a:lightRig rig="threePt" dir="t">
+              <a:rot lat="0" lon="0" rev="1200000"/>
+            </a:lightRig>
+          </a:scene3d>
+          <a:sp3d>
+            <a:bevelT w="63500" h="25400"/>
+          </a:sp3d>
+        </a:effectStyle>
+      </a:effectStyleLst>
+      <a:bgFillStyleLst>
+        <a:solidFill>
+          <a:schemeClr val="phClr"/>
+        </a:solidFill>
+        <a:gradFill rotWithShape="1">
+          <a:gsLst>
+            <a:gs pos="0">
+              <a:schemeClr val="phClr">
+                <a:tint val="40000"/>
+                <a:satMod val="350000"/>
+              </a:schemeClr>
+            </a:gs>
+            <a:gs pos="40000">
+              <a:schemeClr val="phClr">
+                <a:tint val="45000"/>
+                <a:shade val="99000"/>
+                <a:satMod val="350000"/>
+              </a:schemeClr>
+            </a:gs>
+            <a:gs pos="100000">
+              <a:schemeClr val="phClr">
+                <a:shade val="20000"/>
+                <a:satMod val="255000"/>
+              </a:schemeClr>
+            </a:gs>
+          </a:gsLst>
+          <a:path path="circle">
+            <a:fillToRect l="50000" t="-80000" r="50000" b="180000"/>
+          </a:path>
+        </a:gradFill>
+        <a:gradFill rotWithShape="1">
+          <a:gsLst>
+            <a:gs pos="0">
+              <a:schemeClr val="phClr">
+                <a:tint val="80000"/>
+                <a:satMod val="300000"/>
+              </a:schemeClr>
+            </a:gs>
+            <a:gs pos="100000">
+              <a:schemeClr val="phClr">
+                <a:shade val="30000"/>
+                <a:satMod val="200000"/>
+              </a:schemeClr>
+            </a:gs>
+          </a:gsLst>
+          <a:path path="circle">
+            <a:fillToRect l="50000" t="50000" r="50000" b="50000"/>
+          </a:path>
+        </a:gradFill>
+      </a:bgFillStyleLst>
+    </a:fmtScheme>
+  </a:themeElements>
+</a:theme>
+</file>
+
+<file path=ppt/theme/theme2.xml><?xml version="1.0" encoding="utf-8"?>
 <a:theme xmlns:a="http://schemas.openxmlformats.org/drawingml/2006/main" xmlns:r="http://schemas.openxmlformats.org/officeDocument/2006/relationships">
   <a:themeElements>
     <a:clrScheme name="Default">
@@ -8486,283 +9087,4 @@
     </a:fmtScheme>
   </a:themeElements>
 </a:theme>
-</file>
-
-<file path=ppt/theme/theme2.xml><?xml version="1.0" encoding="utf-8"?>
-<a:theme xmlns:a="http://schemas.openxmlformats.org/drawingml/2006/main" xmlns:r="http://schemas.openxmlformats.org/officeDocument/2006/relationships" name="Slate">
-  <a:themeElements>
-    <a:clrScheme name="Slate">
-      <a:dk1>
-        <a:srgbClr val="FFFFFF"/>
-      </a:dk1>
-      <a:lt1>
-        <a:srgbClr val="37474F"/>
-      </a:lt1>
-      <a:dk2>
-        <a:srgbClr val="9E9E9E"/>
-      </a:dk2>
-      <a:lt2>
-        <a:srgbClr val="E0E0E0"/>
-      </a:lt2>
-      <a:accent1>
-        <a:srgbClr val="616161"/>
-      </a:accent1>
-      <a:accent2>
-        <a:srgbClr val="78909C"/>
-      </a:accent2>
-      <a:accent3>
-        <a:srgbClr val="CACACA"/>
-      </a:accent3>
-      <a:accent4>
-        <a:srgbClr val="64FFDA"/>
-      </a:accent4>
-      <a:accent5>
-        <a:srgbClr val="FFD966"/>
-      </a:accent5>
-      <a:accent6>
-        <a:srgbClr val="F5F5F5"/>
-      </a:accent6>
-      <a:hlink>
-        <a:srgbClr val="FFD966"/>
-      </a:hlink>
-      <a:folHlink>
-        <a:srgbClr val="FFD966"/>
-      </a:folHlink>
-    </a:clrScheme>
-    <a:fontScheme name="Office">
-      <a:majorFont>
-        <a:latin typeface="Arial"/>
-        <a:ea typeface=""/>
-        <a:cs typeface=""/>
-        <a:font script="Jpan" typeface="ＭＳ Ｐゴシック"/>
-        <a:font script="Hang" typeface="맑은 고딕"/>
-        <a:font script="Hans" typeface="宋体"/>
-        <a:font script="Hant" typeface="新細明體"/>
-        <a:font script="Arab" typeface="Times New Roman"/>
-        <a:font script="Hebr" typeface="Times New Roman"/>
-        <a:font script="Thai" typeface="Angsana New"/>
-        <a:font script="Ethi" typeface="Nyala"/>
-        <a:font script="Beng" typeface="Vrinda"/>
-        <a:font script="Gujr" typeface="Shruti"/>
-        <a:font script="Khmr" typeface="MoolBoran"/>
-        <a:font script="Knda" typeface="Tunga"/>
-        <a:font script="Guru" typeface="Raavi"/>
-        <a:font script="Cans" typeface="Euphemia"/>
-        <a:font script="Cher" typeface="Plantagenet Cherokee"/>
-        <a:font script="Yiii" typeface="Microsoft Yi Baiti"/>
-        <a:font script="Tibt" typeface="Microsoft Himalaya"/>
-        <a:font script="Thaa" typeface="MV Boli"/>
-        <a:font script="Deva" typeface="Mangal"/>
-        <a:font script="Telu" typeface="Gautami"/>
-        <a:font script="Taml" typeface="Latha"/>
-        <a:font script="Syrc" typeface="Estrangelo Edessa"/>
-        <a:font script="Orya" typeface="Kalinga"/>
-        <a:font script="Mlym" typeface="Kartika"/>
-        <a:font script="Laoo" typeface="DokChampa"/>
-        <a:font script="Sinh" typeface="Iskoola Pota"/>
-        <a:font script="Mong" typeface="Mongolian Baiti"/>
-        <a:font script="Viet" typeface="Times New Roman"/>
-        <a:font script="Uigh" typeface="Microsoft Uighur"/>
-        <a:font script="Geor" typeface="Sylfaen"/>
-      </a:majorFont>
-      <a:minorFont>
-        <a:latin typeface="Arial"/>
-        <a:ea typeface=""/>
-        <a:cs typeface=""/>
-        <a:font script="Jpan" typeface="ＭＳ Ｐゴシック"/>
-        <a:font script="Hang" typeface="맑은 고딕"/>
-        <a:font script="Hans" typeface="宋体"/>
-        <a:font script="Hant" typeface="新細明體"/>
-        <a:font script="Arab" typeface="Arial"/>
-        <a:font script="Hebr" typeface="Arial"/>
-        <a:font script="Thai" typeface="Cordia New"/>
-        <a:font script="Ethi" typeface="Nyala"/>
-        <a:font script="Beng" typeface="Vrinda"/>
-        <a:font script="Gujr" typeface="Shruti"/>
-        <a:font script="Khmr" typeface="DaunPenh"/>
-        <a:font script="Knda" typeface="Tunga"/>
-        <a:font script="Guru" typeface="Raavi"/>
-        <a:font script="Cans" typeface="Euphemia"/>
-        <a:font script="Cher" typeface="Plantagenet Cherokee"/>
-        <a:font script="Yiii" typeface="Microsoft Yi Baiti"/>
-        <a:font script="Tibt" typeface="Microsoft Himalaya"/>
-        <a:font script="Thaa" typeface="MV Boli"/>
-        <a:font script="Deva" typeface="Mangal"/>
-        <a:font script="Telu" typeface="Gautami"/>
-        <a:font script="Taml" typeface="Latha"/>
-        <a:font script="Syrc" typeface="Estrangelo Edessa"/>
-        <a:font script="Orya" typeface="Kalinga"/>
-        <a:font script="Mlym" typeface="Kartika"/>
-        <a:font script="Laoo" typeface="DokChampa"/>
-        <a:font script="Sinh" typeface="Iskoola Pota"/>
-        <a:font script="Mong" typeface="Mongolian Baiti"/>
-        <a:font script="Viet" typeface="Arial"/>
-        <a:font script="Uigh" typeface="Microsoft Uighur"/>
-        <a:font script="Geor" typeface="Sylfaen"/>
-      </a:minorFont>
-    </a:fontScheme>
-    <a:fmtScheme name="Office">
-      <a:fillStyleLst>
-        <a:solidFill>
-          <a:schemeClr val="phClr"/>
-        </a:solidFill>
-        <a:gradFill rotWithShape="1">
-          <a:gsLst>
-            <a:gs pos="0">
-              <a:schemeClr val="phClr">
-                <a:tint val="50000"/>
-                <a:satMod val="300000"/>
-              </a:schemeClr>
-            </a:gs>
-            <a:gs pos="35000">
-              <a:schemeClr val="phClr">
-                <a:tint val="37000"/>
-                <a:satMod val="300000"/>
-              </a:schemeClr>
-            </a:gs>
-            <a:gs pos="100000">
-              <a:schemeClr val="phClr">
-                <a:tint val="15000"/>
-                <a:satMod val="350000"/>
-              </a:schemeClr>
-            </a:gs>
-          </a:gsLst>
-          <a:lin ang="16200000" scaled="1"/>
-        </a:gradFill>
-        <a:gradFill rotWithShape="1">
-          <a:gsLst>
-            <a:gs pos="0">
-              <a:schemeClr val="phClr">
-                <a:tint val="100000"/>
-                <a:shade val="100000"/>
-                <a:satMod val="130000"/>
-              </a:schemeClr>
-            </a:gs>
-            <a:gs pos="100000">
-              <a:schemeClr val="phClr">
-                <a:tint val="50000"/>
-                <a:shade val="100000"/>
-                <a:satMod val="350000"/>
-              </a:schemeClr>
-            </a:gs>
-          </a:gsLst>
-          <a:lin ang="16200000" scaled="0"/>
-        </a:gradFill>
-      </a:fillStyleLst>
-      <a:lnStyleLst>
-        <a:ln w="9525" cap="flat" cmpd="sng" algn="ctr">
-          <a:solidFill>
-            <a:schemeClr val="phClr">
-              <a:shade val="95000"/>
-              <a:satMod val="105000"/>
-            </a:schemeClr>
-          </a:solidFill>
-          <a:prstDash val="solid"/>
-        </a:ln>
-        <a:ln w="25400" cap="flat" cmpd="sng" algn="ctr">
-          <a:solidFill>
-            <a:schemeClr val="phClr"/>
-          </a:solidFill>
-          <a:prstDash val="solid"/>
-        </a:ln>
-        <a:ln w="38100" cap="flat" cmpd="sng" algn="ctr">
-          <a:solidFill>
-            <a:schemeClr val="phClr"/>
-          </a:solidFill>
-          <a:prstDash val="solid"/>
-        </a:ln>
-      </a:lnStyleLst>
-      <a:effectStyleLst>
-        <a:effectStyle>
-          <a:effectLst>
-            <a:outerShdw blurRad="40000" dist="20000" dir="5400000" rotWithShape="0">
-              <a:srgbClr val="000000">
-                <a:alpha val="38000"/>
-              </a:srgbClr>
-            </a:outerShdw>
-          </a:effectLst>
-        </a:effectStyle>
-        <a:effectStyle>
-          <a:effectLst>
-            <a:outerShdw blurRad="40000" dist="23000" dir="5400000" rotWithShape="0">
-              <a:srgbClr val="000000">
-                <a:alpha val="35000"/>
-              </a:srgbClr>
-            </a:outerShdw>
-          </a:effectLst>
-        </a:effectStyle>
-        <a:effectStyle>
-          <a:effectLst>
-            <a:outerShdw blurRad="40000" dist="23000" dir="5400000" rotWithShape="0">
-              <a:srgbClr val="000000">
-                <a:alpha val="35000"/>
-              </a:srgbClr>
-            </a:outerShdw>
-          </a:effectLst>
-          <a:scene3d>
-            <a:camera prst="orthographicFront">
-              <a:rot lat="0" lon="0" rev="0"/>
-            </a:camera>
-            <a:lightRig rig="threePt" dir="t">
-              <a:rot lat="0" lon="0" rev="1200000"/>
-            </a:lightRig>
-          </a:scene3d>
-          <a:sp3d>
-            <a:bevelT w="63500" h="25400"/>
-          </a:sp3d>
-        </a:effectStyle>
-      </a:effectStyleLst>
-      <a:bgFillStyleLst>
-        <a:solidFill>
-          <a:schemeClr val="phClr"/>
-        </a:solidFill>
-        <a:gradFill rotWithShape="1">
-          <a:gsLst>
-            <a:gs pos="0">
-              <a:schemeClr val="phClr">
-                <a:tint val="40000"/>
-                <a:satMod val="350000"/>
-              </a:schemeClr>
-            </a:gs>
-            <a:gs pos="40000">
-              <a:schemeClr val="phClr">
-                <a:tint val="45000"/>
-                <a:shade val="99000"/>
-                <a:satMod val="350000"/>
-              </a:schemeClr>
-            </a:gs>
-            <a:gs pos="100000">
-              <a:schemeClr val="phClr">
-                <a:shade val="20000"/>
-                <a:satMod val="255000"/>
-              </a:schemeClr>
-            </a:gs>
-          </a:gsLst>
-          <a:path path="circle">
-            <a:fillToRect l="50000" t="-80000" r="50000" b="180000"/>
-          </a:path>
-        </a:gradFill>
-        <a:gradFill rotWithShape="1">
-          <a:gsLst>
-            <a:gs pos="0">
-              <a:schemeClr val="phClr">
-                <a:tint val="80000"/>
-                <a:satMod val="300000"/>
-              </a:schemeClr>
-            </a:gs>
-            <a:gs pos="100000">
-              <a:schemeClr val="phClr">
-                <a:shade val="30000"/>
-                <a:satMod val="200000"/>
-              </a:schemeClr>
-            </a:gs>
-          </a:gsLst>
-          <a:path path="circle">
-            <a:fillToRect l="50000" t="50000" r="50000" b="50000"/>
-          </a:path>
-        </a:gradFill>
-      </a:bgFillStyleLst>
-    </a:fmtScheme>
-  </a:themeElements>
-</a:theme>
 </file>